--- a/10_Momo/CAPER PowerPoints/CAPER_5.18.2016_MoreyAgnew.pptx
+++ b/10_Momo/CAPER PowerPoints/CAPER_5.18.2016_MoreyAgnew.pptx
@@ -228,7 +228,7 @@
           <a:p>
             <a:fld id="{85292355-EE37-4EC4-90EC-568BAF79238D}" type="datetimeFigureOut">
               <a:rPr lang="en-US" smtClean="0"/>
-              <a:t>5/17/2016</a:t>
+              <a:t>5/18/2016</a:t>
             </a:fld>
             <a:endParaRPr lang="en-US"/>
           </a:p>
@@ -1197,7 +1197,7 @@
           <a:p>
             <a:fld id="{BFE4ABA5-C905-4825-8872-D86BC7CBE79A}" type="datetimeFigureOut">
               <a:rPr lang="en-US" smtClean="0"/>
-              <a:t>5/17/2016</a:t>
+              <a:t>5/18/2016</a:t>
             </a:fld>
             <a:endParaRPr lang="en-US"/>
           </a:p>
@@ -1553,7 +1553,7 @@
           <a:p>
             <a:fld id="{BFE4ABA5-C905-4825-8872-D86BC7CBE79A}" type="datetimeFigureOut">
               <a:rPr lang="en-US" smtClean="0"/>
-              <a:t>5/17/2016</a:t>
+              <a:t>5/18/2016</a:t>
             </a:fld>
             <a:endParaRPr lang="en-US"/>
           </a:p>
@@ -3484,7 +3484,7 @@
           <a:p>
             <a:fld id="{BFE4ABA5-C905-4825-8872-D86BC7CBE79A}" type="datetimeFigureOut">
               <a:rPr lang="en-US" smtClean="0"/>
-              <a:t>5/17/2016</a:t>
+              <a:t>5/18/2016</a:t>
             </a:fld>
             <a:endParaRPr lang="en-US"/>
           </a:p>
@@ -3778,7 +3778,7 @@
           <a:p>
             <a:fld id="{BFE4ABA5-C905-4825-8872-D86BC7CBE79A}" type="datetimeFigureOut">
               <a:rPr lang="en-US" smtClean="0"/>
-              <a:t>5/17/2016</a:t>
+              <a:t>5/18/2016</a:t>
             </a:fld>
             <a:endParaRPr lang="en-US"/>
           </a:p>
@@ -4049,7 +4049,7 @@
           <a:p>
             <a:fld id="{BFE4ABA5-C905-4825-8872-D86BC7CBE79A}" type="datetimeFigureOut">
               <a:rPr lang="en-US" smtClean="0"/>
-              <a:t>5/17/2016</a:t>
+              <a:t>5/18/2016</a:t>
             </a:fld>
             <a:endParaRPr lang="en-US"/>
           </a:p>
@@ -4502,7 +4502,7 @@
           <a:p>
             <a:fld id="{BFE4ABA5-C905-4825-8872-D86BC7CBE79A}" type="datetimeFigureOut">
               <a:rPr lang="en-US" smtClean="0"/>
-              <a:t>5/17/2016</a:t>
+              <a:t>5/18/2016</a:t>
             </a:fld>
             <a:endParaRPr lang="en-US"/>
           </a:p>
@@ -4931,7 +4931,7 @@
           <a:p>
             <a:fld id="{BFE4ABA5-C905-4825-8872-D86BC7CBE79A}" type="datetimeFigureOut">
               <a:rPr lang="en-US" smtClean="0"/>
-              <a:t>5/17/2016</a:t>
+              <a:t>5/18/2016</a:t>
             </a:fld>
             <a:endParaRPr lang="en-US"/>
           </a:p>
@@ -6203,8 +6203,16 @@
           <a:p>
             <a:r>
               <a:rPr lang="en-US" dirty="0" smtClean="0"/>
-              <a:t> 385 cities Total</a:t>
-            </a:r>
+              <a:t> </a:t>
+            </a:r>
+            <a:r>
+              <a:rPr lang="en-US" dirty="0" smtClean="0"/>
+              <a:t>385 municipalities with PV request.</a:t>
+            </a:r>
+            <a:endParaRPr lang="en-US" dirty="0" smtClean="0"/>
+          </a:p>
+          <a:p>
+            <a:endParaRPr lang="en-US" dirty="0" smtClean="0"/>
           </a:p>
           <a:p>
             <a:endParaRPr lang="en-US" dirty="0"/>
@@ -6566,7 +6574,11 @@
           <a:p>
             <a:r>
               <a:rPr lang="en-US" dirty="0" smtClean="0"/>
-              <a:t>At this point I am still trying to find a way to find area in each city. The most probable way of doing so seems to be to use a</a:t>
+              <a:t>The most probable way of doing so seems to be to use a google earth and estimating the amount of area in each city. Still looking into </a:t>
+            </a:r>
+            <a:r>
+              <a:rPr lang="en-US" smtClean="0"/>
+              <a:t>other methods.</a:t>
             </a:r>
             <a:endParaRPr lang="en-US" dirty="0"/>
           </a:p>
@@ -6675,7 +6687,59 @@
           <a:p>
             <a:r>
               <a:rPr lang="en-US" dirty="0" smtClean="0"/>
-              <a:t>All three will be ran in R and we will find which as the best correlation Value</a:t>
+              <a:t>All </a:t>
+            </a:r>
+            <a:r>
+              <a:rPr lang="en-US" dirty="0" smtClean="0"/>
+              <a:t>three will </a:t>
+            </a:r>
+            <a:r>
+              <a:rPr lang="en-US" smtClean="0"/>
+              <a:t>be investigated</a:t>
+            </a:r>
+            <a:r>
+              <a:rPr lang="en-US" smtClean="0"/>
+              <a:t> </a:t>
+            </a:r>
+            <a:r>
+              <a:rPr lang="en-US" dirty="0" smtClean="0"/>
+              <a:t>in </a:t>
+            </a:r>
+            <a:r>
+              <a:rPr lang="en-US" smtClean="0"/>
+              <a:t>R </a:t>
+            </a:r>
+            <a:r>
+              <a:rPr lang="en-US" smtClean="0"/>
+              <a:t>and it</a:t>
+            </a:r>
+            <a:r>
+              <a:rPr lang="en-US" smtClean="0"/>
+              <a:t> </a:t>
+            </a:r>
+            <a:r>
+              <a:rPr lang="en-US" dirty="0" smtClean="0"/>
+              <a:t>will find </a:t>
+            </a:r>
+            <a:r>
+              <a:rPr lang="en-US" smtClean="0"/>
+              <a:t>which </a:t>
+            </a:r>
+            <a:r>
+              <a:rPr lang="en-US" smtClean="0"/>
+              <a:t>has </a:t>
+            </a:r>
+            <a:r>
+              <a:rPr lang="en-US" dirty="0" smtClean="0"/>
+              <a:t>the best </a:t>
+            </a:r>
+            <a:r>
+              <a:rPr lang="en-US" smtClean="0"/>
+              <a:t>correlation </a:t>
+            </a:r>
+            <a:r>
+              <a:rPr lang="en-US" smtClean="0"/>
+              <a:t>value</a:t>
             </a:r>
             <a:endParaRPr lang="en-US" dirty="0"/>
           </a:p>
